--- a/pslides/04_verbs.pptx
+++ b/pslides/04_verbs.pptx
@@ -201,7 +201,7 @@
           <a:p>
             <a:fld id="{067B1328-FBA7-A54A-86BE-4FAFCAA9311A}" type="datetimeFigureOut">
               <a:rPr lang="en-US" smtClean="0"/>
-              <a:t>9/4/21</a:t>
+              <a:t>11/26/23</a:t>
             </a:fld>
             <a:endParaRPr lang="en-US"/>
           </a:p>
@@ -952,7 +952,7 @@
           <a:p>
             <a:fld id="{7B9169B0-A344-9A43-AAD5-682508993835}" type="datetimeFigureOut">
               <a:rPr lang="fr-FR" smtClean="0"/>
-              <a:t>04/09/2021</a:t>
+              <a:t>26/11/2023</a:t>
             </a:fld>
             <a:endParaRPr lang="fr-FR"/>
           </a:p>
@@ -1150,7 +1150,7 @@
           <a:p>
             <a:fld id="{7B9169B0-A344-9A43-AAD5-682508993835}" type="datetimeFigureOut">
               <a:rPr lang="fr-FR" smtClean="0"/>
-              <a:t>04/09/2021</a:t>
+              <a:t>26/11/2023</a:t>
             </a:fld>
             <a:endParaRPr lang="fr-FR"/>
           </a:p>
@@ -1358,7 +1358,7 @@
           <a:p>
             <a:fld id="{7B9169B0-A344-9A43-AAD5-682508993835}" type="datetimeFigureOut">
               <a:rPr lang="fr-FR" smtClean="0"/>
-              <a:t>04/09/2021</a:t>
+              <a:t>26/11/2023</a:t>
             </a:fld>
             <a:endParaRPr lang="fr-FR"/>
           </a:p>
@@ -1556,7 +1556,7 @@
           <a:p>
             <a:fld id="{7B9169B0-A344-9A43-AAD5-682508993835}" type="datetimeFigureOut">
               <a:rPr lang="fr-FR" smtClean="0"/>
-              <a:t>04/09/2021</a:t>
+              <a:t>26/11/2023</a:t>
             </a:fld>
             <a:endParaRPr lang="fr-FR"/>
           </a:p>
@@ -1831,7 +1831,7 @@
           <a:p>
             <a:fld id="{7B9169B0-A344-9A43-AAD5-682508993835}" type="datetimeFigureOut">
               <a:rPr lang="fr-FR" smtClean="0"/>
-              <a:t>04/09/2021</a:t>
+              <a:t>26/11/2023</a:t>
             </a:fld>
             <a:endParaRPr lang="fr-FR"/>
           </a:p>
@@ -2096,7 +2096,7 @@
           <a:p>
             <a:fld id="{7B9169B0-A344-9A43-AAD5-682508993835}" type="datetimeFigureOut">
               <a:rPr lang="fr-FR" smtClean="0"/>
-              <a:t>04/09/2021</a:t>
+              <a:t>26/11/2023</a:t>
             </a:fld>
             <a:endParaRPr lang="fr-FR"/>
           </a:p>
@@ -2508,7 +2508,7 @@
           <a:p>
             <a:fld id="{7B9169B0-A344-9A43-AAD5-682508993835}" type="datetimeFigureOut">
               <a:rPr lang="fr-FR" smtClean="0"/>
-              <a:t>04/09/2021</a:t>
+              <a:t>26/11/2023</a:t>
             </a:fld>
             <a:endParaRPr lang="fr-FR"/>
           </a:p>
@@ -2649,7 +2649,7 @@
           <a:p>
             <a:fld id="{7B9169B0-A344-9A43-AAD5-682508993835}" type="datetimeFigureOut">
               <a:rPr lang="fr-FR" smtClean="0"/>
-              <a:t>04/09/2021</a:t>
+              <a:t>26/11/2023</a:t>
             </a:fld>
             <a:endParaRPr lang="fr-FR"/>
           </a:p>
@@ -2762,7 +2762,7 @@
           <a:p>
             <a:fld id="{7B9169B0-A344-9A43-AAD5-682508993835}" type="datetimeFigureOut">
               <a:rPr lang="fr-FR" smtClean="0"/>
-              <a:t>04/09/2021</a:t>
+              <a:t>26/11/2023</a:t>
             </a:fld>
             <a:endParaRPr lang="fr-FR"/>
           </a:p>
@@ -3073,7 +3073,7 @@
           <a:p>
             <a:fld id="{7B9169B0-A344-9A43-AAD5-682508993835}" type="datetimeFigureOut">
               <a:rPr lang="fr-FR" smtClean="0"/>
-              <a:t>04/09/2021</a:t>
+              <a:t>26/11/2023</a:t>
             </a:fld>
             <a:endParaRPr lang="fr-FR"/>
           </a:p>
@@ -3361,7 +3361,7 @@
           <a:p>
             <a:fld id="{7B9169B0-A344-9A43-AAD5-682508993835}" type="datetimeFigureOut">
               <a:rPr lang="fr-FR" smtClean="0"/>
-              <a:t>04/09/2021</a:t>
+              <a:t>26/11/2023</a:t>
             </a:fld>
             <a:endParaRPr lang="fr-FR"/>
           </a:p>
@@ -3602,7 +3602,7 @@
           <a:p>
             <a:fld id="{7B9169B0-A344-9A43-AAD5-682508993835}" type="datetimeFigureOut">
               <a:rPr lang="fr-FR" smtClean="0"/>
-              <a:t>04/09/2021</a:t>
+              <a:t>26/11/2023</a:t>
             </a:fld>
             <a:endParaRPr lang="fr-FR"/>
           </a:p>
